--- a/ppt 16-9/0441.快送光.pptx
+++ b/ppt 16-9/0441.快送光.pptx
@@ -129,7 +129,7 @@
           <p:cNvPr id="2" name="标题 1">
             <a:extLst>
               <a:ext uri="{FF2B5EF4-FFF2-40B4-BE49-F238E27FC236}">
-                <a16:creationId xmlns:a16="http://schemas.microsoft.com/office/drawing/2014/main" id="{56BE697F-CBD3-D4A0-09CE-C15B45359D02}"/>
+                <a16:creationId xmlns:a16="http://schemas.microsoft.com/office/drawing/2014/main" id="{E114E6BC-ECB8-FC05-A0AB-8EC128AE1BF5}"/>
               </a:ext>
             </a:extLst>
           </p:cNvPr>
@@ -166,7 +166,7 @@
           <p:cNvPr id="3" name="副标题 2">
             <a:extLst>
               <a:ext uri="{FF2B5EF4-FFF2-40B4-BE49-F238E27FC236}">
-                <a16:creationId xmlns:a16="http://schemas.microsoft.com/office/drawing/2014/main" id="{188C6862-3A94-D0EF-74AF-791C42FE7435}"/>
+                <a16:creationId xmlns:a16="http://schemas.microsoft.com/office/drawing/2014/main" id="{FCB29776-020E-B9C3-0110-EB9DF0BD91C0}"/>
               </a:ext>
             </a:extLst>
           </p:cNvPr>
@@ -236,7 +236,7 @@
           <p:cNvPr id="4" name="日期占位符 3">
             <a:extLst>
               <a:ext uri="{FF2B5EF4-FFF2-40B4-BE49-F238E27FC236}">
-                <a16:creationId xmlns:a16="http://schemas.microsoft.com/office/drawing/2014/main" id="{94095FA1-6C76-F88F-3A09-A7B33A87E6F5}"/>
+                <a16:creationId xmlns:a16="http://schemas.microsoft.com/office/drawing/2014/main" id="{522546F5-977F-C4C5-B917-8475106C4C4F}"/>
               </a:ext>
             </a:extLst>
           </p:cNvPr>
@@ -252,7 +252,7 @@
           <a:bodyPr/>
           <a:lstStyle/>
           <a:p>
-            <a:fld id="{2FD11F0D-42CC-456E-8824-4477FF2210A8}" type="datetimeFigureOut">
+            <a:fld id="{D0A9C69E-3220-4691-B5B2-986F1B3FC5E4}" type="datetimeFigureOut">
               <a:rPr lang="zh-CN" altLang="en-US" smtClean="0"/>
               <a:t>2024/3/10</a:t>
             </a:fld>
@@ -265,7 +265,7 @@
           <p:cNvPr id="5" name="页脚占位符 4">
             <a:extLst>
               <a:ext uri="{FF2B5EF4-FFF2-40B4-BE49-F238E27FC236}">
-                <a16:creationId xmlns:a16="http://schemas.microsoft.com/office/drawing/2014/main" id="{05E6723B-CD95-6C51-D0FA-F080B9C8AAA5}"/>
+                <a16:creationId xmlns:a16="http://schemas.microsoft.com/office/drawing/2014/main" id="{34C71CB6-AE17-62AF-83D7-65CABDD60102}"/>
               </a:ext>
             </a:extLst>
           </p:cNvPr>
@@ -290,7 +290,7 @@
           <p:cNvPr id="6" name="灯片编号占位符 5">
             <a:extLst>
               <a:ext uri="{FF2B5EF4-FFF2-40B4-BE49-F238E27FC236}">
-                <a16:creationId xmlns:a16="http://schemas.microsoft.com/office/drawing/2014/main" id="{5527B1D8-A504-3BDC-B61E-EE93C7F0A45F}"/>
+                <a16:creationId xmlns:a16="http://schemas.microsoft.com/office/drawing/2014/main" id="{1AF7B176-4260-7F29-D536-361E5BAB815C}"/>
               </a:ext>
             </a:extLst>
           </p:cNvPr>
@@ -306,7 +306,7 @@
           <a:bodyPr/>
           <a:lstStyle/>
           <a:p>
-            <a:fld id="{119961CE-00AE-4FA7-B7B9-E04353A44B96}" type="slidenum">
+            <a:fld id="{BF5DBCF7-9B3D-4D23-B4D2-C19790ACD7A0}" type="slidenum">
               <a:rPr lang="zh-CN" altLang="en-US" smtClean="0"/>
               <a:t>‹#›</a:t>
             </a:fld>
@@ -317,7 +317,7 @@
     </p:spTree>
     <p:extLst>
       <p:ext uri="{BB962C8B-B14F-4D97-AF65-F5344CB8AC3E}">
-        <p14:creationId xmlns:p14="http://schemas.microsoft.com/office/powerpoint/2010/main" val="3372839017"/>
+        <p14:creationId xmlns:p14="http://schemas.microsoft.com/office/powerpoint/2010/main" val="1537574028"/>
       </p:ext>
     </p:extLst>
   </p:cSld>
@@ -349,7 +349,7 @@
           <p:cNvPr id="2" name="标题 1">
             <a:extLst>
               <a:ext uri="{FF2B5EF4-FFF2-40B4-BE49-F238E27FC236}">
-                <a16:creationId xmlns:a16="http://schemas.microsoft.com/office/drawing/2014/main" id="{5E70660E-E4D8-1684-6474-9492BFC233B5}"/>
+                <a16:creationId xmlns:a16="http://schemas.microsoft.com/office/drawing/2014/main" id="{3C6416DA-6F18-EC90-D8F9-56D4C80DF60D}"/>
               </a:ext>
             </a:extLst>
           </p:cNvPr>
@@ -377,7 +377,7 @@
           <p:cNvPr id="3" name="竖排文字占位符 2">
             <a:extLst>
               <a:ext uri="{FF2B5EF4-FFF2-40B4-BE49-F238E27FC236}">
-                <a16:creationId xmlns:a16="http://schemas.microsoft.com/office/drawing/2014/main" id="{75546C88-E328-5EB8-0EF9-3FB19758243B}"/>
+                <a16:creationId xmlns:a16="http://schemas.microsoft.com/office/drawing/2014/main" id="{BE51A3B8-252D-4215-987E-8231A04F77BE}"/>
               </a:ext>
             </a:extLst>
           </p:cNvPr>
@@ -434,7 +434,7 @@
           <p:cNvPr id="4" name="日期占位符 3">
             <a:extLst>
               <a:ext uri="{FF2B5EF4-FFF2-40B4-BE49-F238E27FC236}">
-                <a16:creationId xmlns:a16="http://schemas.microsoft.com/office/drawing/2014/main" id="{EF49D1A3-524B-A51C-8EF4-CE6E9248A09D}"/>
+                <a16:creationId xmlns:a16="http://schemas.microsoft.com/office/drawing/2014/main" id="{145BCF50-9E12-268D-1BB8-808FFFA0F94B}"/>
               </a:ext>
             </a:extLst>
           </p:cNvPr>
@@ -450,7 +450,7 @@
           <a:bodyPr/>
           <a:lstStyle/>
           <a:p>
-            <a:fld id="{2FD11F0D-42CC-456E-8824-4477FF2210A8}" type="datetimeFigureOut">
+            <a:fld id="{D0A9C69E-3220-4691-B5B2-986F1B3FC5E4}" type="datetimeFigureOut">
               <a:rPr lang="zh-CN" altLang="en-US" smtClean="0"/>
               <a:t>2024/3/10</a:t>
             </a:fld>
@@ -463,7 +463,7 @@
           <p:cNvPr id="5" name="页脚占位符 4">
             <a:extLst>
               <a:ext uri="{FF2B5EF4-FFF2-40B4-BE49-F238E27FC236}">
-                <a16:creationId xmlns:a16="http://schemas.microsoft.com/office/drawing/2014/main" id="{DB00D6B6-6312-9939-8E20-9D606425F53C}"/>
+                <a16:creationId xmlns:a16="http://schemas.microsoft.com/office/drawing/2014/main" id="{CD2E6E79-99F3-98AF-8051-D043552912C9}"/>
               </a:ext>
             </a:extLst>
           </p:cNvPr>
@@ -488,7 +488,7 @@
           <p:cNvPr id="6" name="灯片编号占位符 5">
             <a:extLst>
               <a:ext uri="{FF2B5EF4-FFF2-40B4-BE49-F238E27FC236}">
-                <a16:creationId xmlns:a16="http://schemas.microsoft.com/office/drawing/2014/main" id="{9C5F6150-43C6-74B2-48BA-40B9F5482CA7}"/>
+                <a16:creationId xmlns:a16="http://schemas.microsoft.com/office/drawing/2014/main" id="{2EEB48CE-05A3-E349-3A88-F293837FEEAA}"/>
               </a:ext>
             </a:extLst>
           </p:cNvPr>
@@ -504,7 +504,7 @@
           <a:bodyPr/>
           <a:lstStyle/>
           <a:p>
-            <a:fld id="{119961CE-00AE-4FA7-B7B9-E04353A44B96}" type="slidenum">
+            <a:fld id="{BF5DBCF7-9B3D-4D23-B4D2-C19790ACD7A0}" type="slidenum">
               <a:rPr lang="zh-CN" altLang="en-US" smtClean="0"/>
               <a:t>‹#›</a:t>
             </a:fld>
@@ -515,7 +515,7 @@
     </p:spTree>
     <p:extLst>
       <p:ext uri="{BB962C8B-B14F-4D97-AF65-F5344CB8AC3E}">
-        <p14:creationId xmlns:p14="http://schemas.microsoft.com/office/powerpoint/2010/main" val="1692502698"/>
+        <p14:creationId xmlns:p14="http://schemas.microsoft.com/office/powerpoint/2010/main" val="4022943106"/>
       </p:ext>
     </p:extLst>
   </p:cSld>
@@ -547,7 +547,7 @@
           <p:cNvPr id="2" name="竖排标题 1">
             <a:extLst>
               <a:ext uri="{FF2B5EF4-FFF2-40B4-BE49-F238E27FC236}">
-                <a16:creationId xmlns:a16="http://schemas.microsoft.com/office/drawing/2014/main" id="{C0125E71-11EA-0A93-3CD1-CE70559DDD39}"/>
+                <a16:creationId xmlns:a16="http://schemas.microsoft.com/office/drawing/2014/main" id="{60EC9EFC-BC5B-6D8C-71B0-6E6EC65253D7}"/>
               </a:ext>
             </a:extLst>
           </p:cNvPr>
@@ -580,7 +580,7 @@
           <p:cNvPr id="3" name="竖排文字占位符 2">
             <a:extLst>
               <a:ext uri="{FF2B5EF4-FFF2-40B4-BE49-F238E27FC236}">
-                <a16:creationId xmlns:a16="http://schemas.microsoft.com/office/drawing/2014/main" id="{F2BCF9F3-4342-F599-185A-298B2EF15693}"/>
+                <a16:creationId xmlns:a16="http://schemas.microsoft.com/office/drawing/2014/main" id="{2BB42E7E-2421-5F0F-49CD-717CDF877B6C}"/>
               </a:ext>
             </a:extLst>
           </p:cNvPr>
@@ -642,7 +642,7 @@
           <p:cNvPr id="4" name="日期占位符 3">
             <a:extLst>
               <a:ext uri="{FF2B5EF4-FFF2-40B4-BE49-F238E27FC236}">
-                <a16:creationId xmlns:a16="http://schemas.microsoft.com/office/drawing/2014/main" id="{FE3003AF-5CB7-B442-2013-65FFB955D89E}"/>
+                <a16:creationId xmlns:a16="http://schemas.microsoft.com/office/drawing/2014/main" id="{F81F5867-5383-C024-D573-4FB42A4D5A64}"/>
               </a:ext>
             </a:extLst>
           </p:cNvPr>
@@ -658,7 +658,7 @@
           <a:bodyPr/>
           <a:lstStyle/>
           <a:p>
-            <a:fld id="{2FD11F0D-42CC-456E-8824-4477FF2210A8}" type="datetimeFigureOut">
+            <a:fld id="{D0A9C69E-3220-4691-B5B2-986F1B3FC5E4}" type="datetimeFigureOut">
               <a:rPr lang="zh-CN" altLang="en-US" smtClean="0"/>
               <a:t>2024/3/10</a:t>
             </a:fld>
@@ -671,7 +671,7 @@
           <p:cNvPr id="5" name="页脚占位符 4">
             <a:extLst>
               <a:ext uri="{FF2B5EF4-FFF2-40B4-BE49-F238E27FC236}">
-                <a16:creationId xmlns:a16="http://schemas.microsoft.com/office/drawing/2014/main" id="{D904F7CA-29A3-7208-7AB6-20E52A1C666E}"/>
+                <a16:creationId xmlns:a16="http://schemas.microsoft.com/office/drawing/2014/main" id="{435F02E1-C7D1-C33F-FB41-D18FEFC381AA}"/>
               </a:ext>
             </a:extLst>
           </p:cNvPr>
@@ -696,7 +696,7 @@
           <p:cNvPr id="6" name="灯片编号占位符 5">
             <a:extLst>
               <a:ext uri="{FF2B5EF4-FFF2-40B4-BE49-F238E27FC236}">
-                <a16:creationId xmlns:a16="http://schemas.microsoft.com/office/drawing/2014/main" id="{235F5A06-8DDA-A3FC-C695-888CADB5C93B}"/>
+                <a16:creationId xmlns:a16="http://schemas.microsoft.com/office/drawing/2014/main" id="{92B55636-869B-CC04-C6E0-BD8836553911}"/>
               </a:ext>
             </a:extLst>
           </p:cNvPr>
@@ -712,7 +712,7 @@
           <a:bodyPr/>
           <a:lstStyle/>
           <a:p>
-            <a:fld id="{119961CE-00AE-4FA7-B7B9-E04353A44B96}" type="slidenum">
+            <a:fld id="{BF5DBCF7-9B3D-4D23-B4D2-C19790ACD7A0}" type="slidenum">
               <a:rPr lang="zh-CN" altLang="en-US" smtClean="0"/>
               <a:t>‹#›</a:t>
             </a:fld>
@@ -723,7 +723,7 @@
     </p:spTree>
     <p:extLst>
       <p:ext uri="{BB962C8B-B14F-4D97-AF65-F5344CB8AC3E}">
-        <p14:creationId xmlns:p14="http://schemas.microsoft.com/office/powerpoint/2010/main" val="1864750072"/>
+        <p14:creationId xmlns:p14="http://schemas.microsoft.com/office/powerpoint/2010/main" val="1606932102"/>
       </p:ext>
     </p:extLst>
   </p:cSld>
@@ -755,7 +755,7 @@
           <p:cNvPr id="2" name="标题 1">
             <a:extLst>
               <a:ext uri="{FF2B5EF4-FFF2-40B4-BE49-F238E27FC236}">
-                <a16:creationId xmlns:a16="http://schemas.microsoft.com/office/drawing/2014/main" id="{F7ECC097-3B95-5595-C768-DBA88829AE1E}"/>
+                <a16:creationId xmlns:a16="http://schemas.microsoft.com/office/drawing/2014/main" id="{EC91EA87-1A70-474D-D086-08050AB63797}"/>
               </a:ext>
             </a:extLst>
           </p:cNvPr>
@@ -783,7 +783,7 @@
           <p:cNvPr id="3" name="内容占位符 2">
             <a:extLst>
               <a:ext uri="{FF2B5EF4-FFF2-40B4-BE49-F238E27FC236}">
-                <a16:creationId xmlns:a16="http://schemas.microsoft.com/office/drawing/2014/main" id="{99E1E6B8-1F43-4D33-C34E-79255CF37F89}"/>
+                <a16:creationId xmlns:a16="http://schemas.microsoft.com/office/drawing/2014/main" id="{2E9D6F9D-5872-2E24-D9F8-C4DA283379CE}"/>
               </a:ext>
             </a:extLst>
           </p:cNvPr>
@@ -840,7 +840,7 @@
           <p:cNvPr id="4" name="日期占位符 3">
             <a:extLst>
               <a:ext uri="{FF2B5EF4-FFF2-40B4-BE49-F238E27FC236}">
-                <a16:creationId xmlns:a16="http://schemas.microsoft.com/office/drawing/2014/main" id="{C9C16622-6ADF-CB6E-6A77-FA3F0FB0CEE6}"/>
+                <a16:creationId xmlns:a16="http://schemas.microsoft.com/office/drawing/2014/main" id="{1CA4A19A-33ED-6DD9-B055-2B7FB3251F94}"/>
               </a:ext>
             </a:extLst>
           </p:cNvPr>
@@ -856,7 +856,7 @@
           <a:bodyPr/>
           <a:lstStyle/>
           <a:p>
-            <a:fld id="{2FD11F0D-42CC-456E-8824-4477FF2210A8}" type="datetimeFigureOut">
+            <a:fld id="{D0A9C69E-3220-4691-B5B2-986F1B3FC5E4}" type="datetimeFigureOut">
               <a:rPr lang="zh-CN" altLang="en-US" smtClean="0"/>
               <a:t>2024/3/10</a:t>
             </a:fld>
@@ -869,7 +869,7 @@
           <p:cNvPr id="5" name="页脚占位符 4">
             <a:extLst>
               <a:ext uri="{FF2B5EF4-FFF2-40B4-BE49-F238E27FC236}">
-                <a16:creationId xmlns:a16="http://schemas.microsoft.com/office/drawing/2014/main" id="{83E9C753-93BE-858A-1E21-628B0AFB22F5}"/>
+                <a16:creationId xmlns:a16="http://schemas.microsoft.com/office/drawing/2014/main" id="{75CE168D-6949-20A0-A17B-443E7914538C}"/>
               </a:ext>
             </a:extLst>
           </p:cNvPr>
@@ -894,7 +894,7 @@
           <p:cNvPr id="6" name="灯片编号占位符 5">
             <a:extLst>
               <a:ext uri="{FF2B5EF4-FFF2-40B4-BE49-F238E27FC236}">
-                <a16:creationId xmlns:a16="http://schemas.microsoft.com/office/drawing/2014/main" id="{2F55500F-06B5-53B7-347A-42E4F765FEE7}"/>
+                <a16:creationId xmlns:a16="http://schemas.microsoft.com/office/drawing/2014/main" id="{C6F6431F-A47B-1A9A-36F0-CB6ED2F20FF7}"/>
               </a:ext>
             </a:extLst>
           </p:cNvPr>
@@ -910,7 +910,7 @@
           <a:bodyPr/>
           <a:lstStyle/>
           <a:p>
-            <a:fld id="{119961CE-00AE-4FA7-B7B9-E04353A44B96}" type="slidenum">
+            <a:fld id="{BF5DBCF7-9B3D-4D23-B4D2-C19790ACD7A0}" type="slidenum">
               <a:rPr lang="zh-CN" altLang="en-US" smtClean="0"/>
               <a:t>‹#›</a:t>
             </a:fld>
@@ -921,7 +921,7 @@
     </p:spTree>
     <p:extLst>
       <p:ext uri="{BB962C8B-B14F-4D97-AF65-F5344CB8AC3E}">
-        <p14:creationId xmlns:p14="http://schemas.microsoft.com/office/powerpoint/2010/main" val="1032078542"/>
+        <p14:creationId xmlns:p14="http://schemas.microsoft.com/office/powerpoint/2010/main" val="1194626775"/>
       </p:ext>
     </p:extLst>
   </p:cSld>
@@ -953,7 +953,7 @@
           <p:cNvPr id="2" name="标题 1">
             <a:extLst>
               <a:ext uri="{FF2B5EF4-FFF2-40B4-BE49-F238E27FC236}">
-                <a16:creationId xmlns:a16="http://schemas.microsoft.com/office/drawing/2014/main" id="{C6B81E3E-F05F-A356-3996-63F7D7C318E3}"/>
+                <a16:creationId xmlns:a16="http://schemas.microsoft.com/office/drawing/2014/main" id="{6F739CF4-41BD-D692-13BE-6A1B5D430D2A}"/>
               </a:ext>
             </a:extLst>
           </p:cNvPr>
@@ -990,7 +990,7 @@
           <p:cNvPr id="3" name="文本占位符 2">
             <a:extLst>
               <a:ext uri="{FF2B5EF4-FFF2-40B4-BE49-F238E27FC236}">
-                <a16:creationId xmlns:a16="http://schemas.microsoft.com/office/drawing/2014/main" id="{5683BE21-07C8-35DE-8899-5E610C12CAA3}"/>
+                <a16:creationId xmlns:a16="http://schemas.microsoft.com/office/drawing/2014/main" id="{3356C6B4-1A92-76CC-61EC-2FE5FE845ACC}"/>
               </a:ext>
             </a:extLst>
           </p:cNvPr>
@@ -1115,7 +1115,7 @@
           <p:cNvPr id="4" name="日期占位符 3">
             <a:extLst>
               <a:ext uri="{FF2B5EF4-FFF2-40B4-BE49-F238E27FC236}">
-                <a16:creationId xmlns:a16="http://schemas.microsoft.com/office/drawing/2014/main" id="{6E1702EB-F665-4784-95FE-B3BCDB5168EA}"/>
+                <a16:creationId xmlns:a16="http://schemas.microsoft.com/office/drawing/2014/main" id="{7F823948-F58E-BE5A-840C-A01E4DD125DC}"/>
               </a:ext>
             </a:extLst>
           </p:cNvPr>
@@ -1131,7 +1131,7 @@
           <a:bodyPr/>
           <a:lstStyle/>
           <a:p>
-            <a:fld id="{2FD11F0D-42CC-456E-8824-4477FF2210A8}" type="datetimeFigureOut">
+            <a:fld id="{D0A9C69E-3220-4691-B5B2-986F1B3FC5E4}" type="datetimeFigureOut">
               <a:rPr lang="zh-CN" altLang="en-US" smtClean="0"/>
               <a:t>2024/3/10</a:t>
             </a:fld>
@@ -1144,7 +1144,7 @@
           <p:cNvPr id="5" name="页脚占位符 4">
             <a:extLst>
               <a:ext uri="{FF2B5EF4-FFF2-40B4-BE49-F238E27FC236}">
-                <a16:creationId xmlns:a16="http://schemas.microsoft.com/office/drawing/2014/main" id="{8E1F8418-901A-5A48-1275-C70BB0043D28}"/>
+                <a16:creationId xmlns:a16="http://schemas.microsoft.com/office/drawing/2014/main" id="{E0C4F20A-78C8-BD8F-7BDB-BC86142C5A06}"/>
               </a:ext>
             </a:extLst>
           </p:cNvPr>
@@ -1169,7 +1169,7 @@
           <p:cNvPr id="6" name="灯片编号占位符 5">
             <a:extLst>
               <a:ext uri="{FF2B5EF4-FFF2-40B4-BE49-F238E27FC236}">
-                <a16:creationId xmlns:a16="http://schemas.microsoft.com/office/drawing/2014/main" id="{7BF62E24-78B2-DEB3-69E1-16E2CCD8404F}"/>
+                <a16:creationId xmlns:a16="http://schemas.microsoft.com/office/drawing/2014/main" id="{563BE977-F01B-A04C-3525-0B9556379102}"/>
               </a:ext>
             </a:extLst>
           </p:cNvPr>
@@ -1185,7 +1185,7 @@
           <a:bodyPr/>
           <a:lstStyle/>
           <a:p>
-            <a:fld id="{119961CE-00AE-4FA7-B7B9-E04353A44B96}" type="slidenum">
+            <a:fld id="{BF5DBCF7-9B3D-4D23-B4D2-C19790ACD7A0}" type="slidenum">
               <a:rPr lang="zh-CN" altLang="en-US" smtClean="0"/>
               <a:t>‹#›</a:t>
             </a:fld>
@@ -1196,7 +1196,7 @@
     </p:spTree>
     <p:extLst>
       <p:ext uri="{BB962C8B-B14F-4D97-AF65-F5344CB8AC3E}">
-        <p14:creationId xmlns:p14="http://schemas.microsoft.com/office/powerpoint/2010/main" val="699887759"/>
+        <p14:creationId xmlns:p14="http://schemas.microsoft.com/office/powerpoint/2010/main" val="939743337"/>
       </p:ext>
     </p:extLst>
   </p:cSld>
@@ -1228,7 +1228,7 @@
           <p:cNvPr id="2" name="标题 1">
             <a:extLst>
               <a:ext uri="{FF2B5EF4-FFF2-40B4-BE49-F238E27FC236}">
-                <a16:creationId xmlns:a16="http://schemas.microsoft.com/office/drawing/2014/main" id="{2120B579-952E-0DCC-8D2F-0000EB0ED7BE}"/>
+                <a16:creationId xmlns:a16="http://schemas.microsoft.com/office/drawing/2014/main" id="{01336624-7C18-E2AB-AD80-6E62D523B662}"/>
               </a:ext>
             </a:extLst>
           </p:cNvPr>
@@ -1256,7 +1256,7 @@
           <p:cNvPr id="3" name="内容占位符 2">
             <a:extLst>
               <a:ext uri="{FF2B5EF4-FFF2-40B4-BE49-F238E27FC236}">
-                <a16:creationId xmlns:a16="http://schemas.microsoft.com/office/drawing/2014/main" id="{2A911D4A-3DCD-F092-CB70-DFA6FBBA03A3}"/>
+                <a16:creationId xmlns:a16="http://schemas.microsoft.com/office/drawing/2014/main" id="{4E5CD395-A163-ED80-3229-FC2E6391C035}"/>
               </a:ext>
             </a:extLst>
           </p:cNvPr>
@@ -1318,7 +1318,7 @@
           <p:cNvPr id="4" name="内容占位符 3">
             <a:extLst>
               <a:ext uri="{FF2B5EF4-FFF2-40B4-BE49-F238E27FC236}">
-                <a16:creationId xmlns:a16="http://schemas.microsoft.com/office/drawing/2014/main" id="{E27290E9-6E40-3934-1CCE-188FD8F43230}"/>
+                <a16:creationId xmlns:a16="http://schemas.microsoft.com/office/drawing/2014/main" id="{F12BAE59-F4B7-427D-A630-4ED3C4AE10E7}"/>
               </a:ext>
             </a:extLst>
           </p:cNvPr>
@@ -1380,7 +1380,7 @@
           <p:cNvPr id="5" name="日期占位符 4">
             <a:extLst>
               <a:ext uri="{FF2B5EF4-FFF2-40B4-BE49-F238E27FC236}">
-                <a16:creationId xmlns:a16="http://schemas.microsoft.com/office/drawing/2014/main" id="{7C20F768-BAF7-0FCA-5CCC-16DD8427CD1F}"/>
+                <a16:creationId xmlns:a16="http://schemas.microsoft.com/office/drawing/2014/main" id="{E00D5A80-9BB1-FB18-7CFF-AEE06DAAF7D8}"/>
               </a:ext>
             </a:extLst>
           </p:cNvPr>
@@ -1396,7 +1396,7 @@
           <a:bodyPr/>
           <a:lstStyle/>
           <a:p>
-            <a:fld id="{2FD11F0D-42CC-456E-8824-4477FF2210A8}" type="datetimeFigureOut">
+            <a:fld id="{D0A9C69E-3220-4691-B5B2-986F1B3FC5E4}" type="datetimeFigureOut">
               <a:rPr lang="zh-CN" altLang="en-US" smtClean="0"/>
               <a:t>2024/3/10</a:t>
             </a:fld>
@@ -1409,7 +1409,7 @@
           <p:cNvPr id="6" name="页脚占位符 5">
             <a:extLst>
               <a:ext uri="{FF2B5EF4-FFF2-40B4-BE49-F238E27FC236}">
-                <a16:creationId xmlns:a16="http://schemas.microsoft.com/office/drawing/2014/main" id="{2BE3F838-26FD-C731-5B9E-F956EB9E8551}"/>
+                <a16:creationId xmlns:a16="http://schemas.microsoft.com/office/drawing/2014/main" id="{C912E1BE-1DB8-4FC4-CB9D-64915DF71247}"/>
               </a:ext>
             </a:extLst>
           </p:cNvPr>
@@ -1434,7 +1434,7 @@
           <p:cNvPr id="7" name="灯片编号占位符 6">
             <a:extLst>
               <a:ext uri="{FF2B5EF4-FFF2-40B4-BE49-F238E27FC236}">
-                <a16:creationId xmlns:a16="http://schemas.microsoft.com/office/drawing/2014/main" id="{4632D171-EA63-D306-41DD-B68C4EFA75B7}"/>
+                <a16:creationId xmlns:a16="http://schemas.microsoft.com/office/drawing/2014/main" id="{B66851D8-9F76-944D-BDEA-305D0D39A743}"/>
               </a:ext>
             </a:extLst>
           </p:cNvPr>
@@ -1450,7 +1450,7 @@
           <a:bodyPr/>
           <a:lstStyle/>
           <a:p>
-            <a:fld id="{119961CE-00AE-4FA7-B7B9-E04353A44B96}" type="slidenum">
+            <a:fld id="{BF5DBCF7-9B3D-4D23-B4D2-C19790ACD7A0}" type="slidenum">
               <a:rPr lang="zh-CN" altLang="en-US" smtClean="0"/>
               <a:t>‹#›</a:t>
             </a:fld>
@@ -1461,7 +1461,7 @@
     </p:spTree>
     <p:extLst>
       <p:ext uri="{BB962C8B-B14F-4D97-AF65-F5344CB8AC3E}">
-        <p14:creationId xmlns:p14="http://schemas.microsoft.com/office/powerpoint/2010/main" val="4129155617"/>
+        <p14:creationId xmlns:p14="http://schemas.microsoft.com/office/powerpoint/2010/main" val="871474761"/>
       </p:ext>
     </p:extLst>
   </p:cSld>
@@ -1493,7 +1493,7 @@
           <p:cNvPr id="2" name="标题 1">
             <a:extLst>
               <a:ext uri="{FF2B5EF4-FFF2-40B4-BE49-F238E27FC236}">
-                <a16:creationId xmlns:a16="http://schemas.microsoft.com/office/drawing/2014/main" id="{0D840575-289A-94B3-BF7E-C129D01A09B2}"/>
+                <a16:creationId xmlns:a16="http://schemas.microsoft.com/office/drawing/2014/main" id="{C8193720-8A95-5725-E321-08F69150C821}"/>
               </a:ext>
             </a:extLst>
           </p:cNvPr>
@@ -1526,7 +1526,7 @@
           <p:cNvPr id="3" name="文本占位符 2">
             <a:extLst>
               <a:ext uri="{FF2B5EF4-FFF2-40B4-BE49-F238E27FC236}">
-                <a16:creationId xmlns:a16="http://schemas.microsoft.com/office/drawing/2014/main" id="{0D386416-4046-23CA-3060-A5B319F04697}"/>
+                <a16:creationId xmlns:a16="http://schemas.microsoft.com/office/drawing/2014/main" id="{622149E8-F156-D7D9-40C6-61DB9F18C0BB}"/>
               </a:ext>
             </a:extLst>
           </p:cNvPr>
@@ -1597,7 +1597,7 @@
           <p:cNvPr id="4" name="内容占位符 3">
             <a:extLst>
               <a:ext uri="{FF2B5EF4-FFF2-40B4-BE49-F238E27FC236}">
-                <a16:creationId xmlns:a16="http://schemas.microsoft.com/office/drawing/2014/main" id="{D1CEBAED-7D93-F876-BCEE-B623F80C28F3}"/>
+                <a16:creationId xmlns:a16="http://schemas.microsoft.com/office/drawing/2014/main" id="{FA813F4B-4CF8-F1C1-9F17-C1D0CEB1670D}"/>
               </a:ext>
             </a:extLst>
           </p:cNvPr>
@@ -1659,7 +1659,7 @@
           <p:cNvPr id="5" name="文本占位符 4">
             <a:extLst>
               <a:ext uri="{FF2B5EF4-FFF2-40B4-BE49-F238E27FC236}">
-                <a16:creationId xmlns:a16="http://schemas.microsoft.com/office/drawing/2014/main" id="{F2CCC073-7994-F627-68CA-05DAC3DD713C}"/>
+                <a16:creationId xmlns:a16="http://schemas.microsoft.com/office/drawing/2014/main" id="{507BA06B-A572-5119-E147-737065A24E85}"/>
               </a:ext>
             </a:extLst>
           </p:cNvPr>
@@ -1730,7 +1730,7 @@
           <p:cNvPr id="6" name="内容占位符 5">
             <a:extLst>
               <a:ext uri="{FF2B5EF4-FFF2-40B4-BE49-F238E27FC236}">
-                <a16:creationId xmlns:a16="http://schemas.microsoft.com/office/drawing/2014/main" id="{1FD83F72-D857-0D20-1A70-489D95FA311D}"/>
+                <a16:creationId xmlns:a16="http://schemas.microsoft.com/office/drawing/2014/main" id="{EA888DA6-4800-1575-1658-1E216795F3EE}"/>
               </a:ext>
             </a:extLst>
           </p:cNvPr>
@@ -1792,7 +1792,7 @@
           <p:cNvPr id="7" name="日期占位符 6">
             <a:extLst>
               <a:ext uri="{FF2B5EF4-FFF2-40B4-BE49-F238E27FC236}">
-                <a16:creationId xmlns:a16="http://schemas.microsoft.com/office/drawing/2014/main" id="{0416202F-46F3-E4C1-3B29-B8E7BB069CAA}"/>
+                <a16:creationId xmlns:a16="http://schemas.microsoft.com/office/drawing/2014/main" id="{22F62AFF-972E-67B7-B841-C1A8BFE12938}"/>
               </a:ext>
             </a:extLst>
           </p:cNvPr>
@@ -1808,7 +1808,7 @@
           <a:bodyPr/>
           <a:lstStyle/>
           <a:p>
-            <a:fld id="{2FD11F0D-42CC-456E-8824-4477FF2210A8}" type="datetimeFigureOut">
+            <a:fld id="{D0A9C69E-3220-4691-B5B2-986F1B3FC5E4}" type="datetimeFigureOut">
               <a:rPr lang="zh-CN" altLang="en-US" smtClean="0"/>
               <a:t>2024/3/10</a:t>
             </a:fld>
@@ -1821,7 +1821,7 @@
           <p:cNvPr id="8" name="页脚占位符 7">
             <a:extLst>
               <a:ext uri="{FF2B5EF4-FFF2-40B4-BE49-F238E27FC236}">
-                <a16:creationId xmlns:a16="http://schemas.microsoft.com/office/drawing/2014/main" id="{970BE476-D749-2D19-2F27-120AC88CE84F}"/>
+                <a16:creationId xmlns:a16="http://schemas.microsoft.com/office/drawing/2014/main" id="{89313972-127B-7F05-B0F2-1F5D6E4FF62A}"/>
               </a:ext>
             </a:extLst>
           </p:cNvPr>
@@ -1846,7 +1846,7 @@
           <p:cNvPr id="9" name="灯片编号占位符 8">
             <a:extLst>
               <a:ext uri="{FF2B5EF4-FFF2-40B4-BE49-F238E27FC236}">
-                <a16:creationId xmlns:a16="http://schemas.microsoft.com/office/drawing/2014/main" id="{4A79663C-54D1-B33F-F21C-E7CEC62E1611}"/>
+                <a16:creationId xmlns:a16="http://schemas.microsoft.com/office/drawing/2014/main" id="{6248BE8E-C0BC-DC5D-D10B-C59A4BC2EEC6}"/>
               </a:ext>
             </a:extLst>
           </p:cNvPr>
@@ -1862,7 +1862,7 @@
           <a:bodyPr/>
           <a:lstStyle/>
           <a:p>
-            <a:fld id="{119961CE-00AE-4FA7-B7B9-E04353A44B96}" type="slidenum">
+            <a:fld id="{BF5DBCF7-9B3D-4D23-B4D2-C19790ACD7A0}" type="slidenum">
               <a:rPr lang="zh-CN" altLang="en-US" smtClean="0"/>
               <a:t>‹#›</a:t>
             </a:fld>
@@ -1873,7 +1873,7 @@
     </p:spTree>
     <p:extLst>
       <p:ext uri="{BB962C8B-B14F-4D97-AF65-F5344CB8AC3E}">
-        <p14:creationId xmlns:p14="http://schemas.microsoft.com/office/powerpoint/2010/main" val="4025939136"/>
+        <p14:creationId xmlns:p14="http://schemas.microsoft.com/office/powerpoint/2010/main" val="3817105670"/>
       </p:ext>
     </p:extLst>
   </p:cSld>
@@ -1905,7 +1905,7 @@
           <p:cNvPr id="2" name="标题 1">
             <a:extLst>
               <a:ext uri="{FF2B5EF4-FFF2-40B4-BE49-F238E27FC236}">
-                <a16:creationId xmlns:a16="http://schemas.microsoft.com/office/drawing/2014/main" id="{B78DBE20-6D28-4DF7-3313-6F72DC50D9C0}"/>
+                <a16:creationId xmlns:a16="http://schemas.microsoft.com/office/drawing/2014/main" id="{BFC0FA9C-31EC-11B8-4F84-9982025E8E75}"/>
               </a:ext>
             </a:extLst>
           </p:cNvPr>
@@ -1933,7 +1933,7 @@
           <p:cNvPr id="3" name="日期占位符 2">
             <a:extLst>
               <a:ext uri="{FF2B5EF4-FFF2-40B4-BE49-F238E27FC236}">
-                <a16:creationId xmlns:a16="http://schemas.microsoft.com/office/drawing/2014/main" id="{5A062A02-07DD-0BAC-BD56-9D34AC31EB35}"/>
+                <a16:creationId xmlns:a16="http://schemas.microsoft.com/office/drawing/2014/main" id="{A063A6E4-B6C9-86AB-B48E-1787C44F1475}"/>
               </a:ext>
             </a:extLst>
           </p:cNvPr>
@@ -1949,7 +1949,7 @@
           <a:bodyPr/>
           <a:lstStyle/>
           <a:p>
-            <a:fld id="{2FD11F0D-42CC-456E-8824-4477FF2210A8}" type="datetimeFigureOut">
+            <a:fld id="{D0A9C69E-3220-4691-B5B2-986F1B3FC5E4}" type="datetimeFigureOut">
               <a:rPr lang="zh-CN" altLang="en-US" smtClean="0"/>
               <a:t>2024/3/10</a:t>
             </a:fld>
@@ -1962,7 +1962,7 @@
           <p:cNvPr id="4" name="页脚占位符 3">
             <a:extLst>
               <a:ext uri="{FF2B5EF4-FFF2-40B4-BE49-F238E27FC236}">
-                <a16:creationId xmlns:a16="http://schemas.microsoft.com/office/drawing/2014/main" id="{EBB66928-1028-6A22-25E4-24AA2D99486A}"/>
+                <a16:creationId xmlns:a16="http://schemas.microsoft.com/office/drawing/2014/main" id="{3FA46BE7-7208-50B5-277A-EB443024E2A9}"/>
               </a:ext>
             </a:extLst>
           </p:cNvPr>
@@ -1987,7 +1987,7 @@
           <p:cNvPr id="5" name="灯片编号占位符 4">
             <a:extLst>
               <a:ext uri="{FF2B5EF4-FFF2-40B4-BE49-F238E27FC236}">
-                <a16:creationId xmlns:a16="http://schemas.microsoft.com/office/drawing/2014/main" id="{3FC3EFBC-FA9E-54F1-B1B6-DCFF445459AC}"/>
+                <a16:creationId xmlns:a16="http://schemas.microsoft.com/office/drawing/2014/main" id="{ED588F29-BFC7-E77D-0719-D9C3D9007914}"/>
               </a:ext>
             </a:extLst>
           </p:cNvPr>
@@ -2003,7 +2003,7 @@
           <a:bodyPr/>
           <a:lstStyle/>
           <a:p>
-            <a:fld id="{119961CE-00AE-4FA7-B7B9-E04353A44B96}" type="slidenum">
+            <a:fld id="{BF5DBCF7-9B3D-4D23-B4D2-C19790ACD7A0}" type="slidenum">
               <a:rPr lang="zh-CN" altLang="en-US" smtClean="0"/>
               <a:t>‹#›</a:t>
             </a:fld>
@@ -2014,7 +2014,7 @@
     </p:spTree>
     <p:extLst>
       <p:ext uri="{BB962C8B-B14F-4D97-AF65-F5344CB8AC3E}">
-        <p14:creationId xmlns:p14="http://schemas.microsoft.com/office/powerpoint/2010/main" val="2151865265"/>
+        <p14:creationId xmlns:p14="http://schemas.microsoft.com/office/powerpoint/2010/main" val="67453001"/>
       </p:ext>
     </p:extLst>
   </p:cSld>
@@ -2046,7 +2046,7 @@
           <p:cNvPr id="2" name="日期占位符 1">
             <a:extLst>
               <a:ext uri="{FF2B5EF4-FFF2-40B4-BE49-F238E27FC236}">
-                <a16:creationId xmlns:a16="http://schemas.microsoft.com/office/drawing/2014/main" id="{6BFB3B54-15DC-33DE-5856-A28C20DFF243}"/>
+                <a16:creationId xmlns:a16="http://schemas.microsoft.com/office/drawing/2014/main" id="{658C401B-20BC-8142-56BD-B47409634394}"/>
               </a:ext>
             </a:extLst>
           </p:cNvPr>
@@ -2062,7 +2062,7 @@
           <a:bodyPr/>
           <a:lstStyle/>
           <a:p>
-            <a:fld id="{2FD11F0D-42CC-456E-8824-4477FF2210A8}" type="datetimeFigureOut">
+            <a:fld id="{D0A9C69E-3220-4691-B5B2-986F1B3FC5E4}" type="datetimeFigureOut">
               <a:rPr lang="zh-CN" altLang="en-US" smtClean="0"/>
               <a:t>2024/3/10</a:t>
             </a:fld>
@@ -2075,7 +2075,7 @@
           <p:cNvPr id="3" name="页脚占位符 2">
             <a:extLst>
               <a:ext uri="{FF2B5EF4-FFF2-40B4-BE49-F238E27FC236}">
-                <a16:creationId xmlns:a16="http://schemas.microsoft.com/office/drawing/2014/main" id="{11FC3ED2-EB4B-6389-43DD-9B83F0815FF0}"/>
+                <a16:creationId xmlns:a16="http://schemas.microsoft.com/office/drawing/2014/main" id="{4B7BEF3C-09C4-B7DC-9820-91902230DB70}"/>
               </a:ext>
             </a:extLst>
           </p:cNvPr>
@@ -2100,7 +2100,7 @@
           <p:cNvPr id="4" name="灯片编号占位符 3">
             <a:extLst>
               <a:ext uri="{FF2B5EF4-FFF2-40B4-BE49-F238E27FC236}">
-                <a16:creationId xmlns:a16="http://schemas.microsoft.com/office/drawing/2014/main" id="{2416DB5E-EF7A-6816-BA96-D6763EA15D05}"/>
+                <a16:creationId xmlns:a16="http://schemas.microsoft.com/office/drawing/2014/main" id="{1CE79F43-58B5-9471-C130-9BCD00A03A76}"/>
               </a:ext>
             </a:extLst>
           </p:cNvPr>
@@ -2116,7 +2116,7 @@
           <a:bodyPr/>
           <a:lstStyle/>
           <a:p>
-            <a:fld id="{119961CE-00AE-4FA7-B7B9-E04353A44B96}" type="slidenum">
+            <a:fld id="{BF5DBCF7-9B3D-4D23-B4D2-C19790ACD7A0}" type="slidenum">
               <a:rPr lang="zh-CN" altLang="en-US" smtClean="0"/>
               <a:t>‹#›</a:t>
             </a:fld>
@@ -2127,7 +2127,7 @@
     </p:spTree>
     <p:extLst>
       <p:ext uri="{BB962C8B-B14F-4D97-AF65-F5344CB8AC3E}">
-        <p14:creationId xmlns:p14="http://schemas.microsoft.com/office/powerpoint/2010/main" val="955597111"/>
+        <p14:creationId xmlns:p14="http://schemas.microsoft.com/office/powerpoint/2010/main" val="2396520112"/>
       </p:ext>
     </p:extLst>
   </p:cSld>
@@ -2159,7 +2159,7 @@
           <p:cNvPr id="2" name="标题 1">
             <a:extLst>
               <a:ext uri="{FF2B5EF4-FFF2-40B4-BE49-F238E27FC236}">
-                <a16:creationId xmlns:a16="http://schemas.microsoft.com/office/drawing/2014/main" id="{C9E04EDB-95BD-3C91-B082-70CCA4E76E08}"/>
+                <a16:creationId xmlns:a16="http://schemas.microsoft.com/office/drawing/2014/main" id="{B40F1A22-811A-A453-FC7C-A8498CF63839}"/>
               </a:ext>
             </a:extLst>
           </p:cNvPr>
@@ -2196,7 +2196,7 @@
           <p:cNvPr id="3" name="内容占位符 2">
             <a:extLst>
               <a:ext uri="{FF2B5EF4-FFF2-40B4-BE49-F238E27FC236}">
-                <a16:creationId xmlns:a16="http://schemas.microsoft.com/office/drawing/2014/main" id="{AD7285C8-6FAF-CDDB-428F-ABBA670B65C3}"/>
+                <a16:creationId xmlns:a16="http://schemas.microsoft.com/office/drawing/2014/main" id="{C6F6BD2F-7342-FD08-3032-FCF764512DD7}"/>
               </a:ext>
             </a:extLst>
           </p:cNvPr>
@@ -2286,7 +2286,7 @@
           <p:cNvPr id="4" name="文本占位符 3">
             <a:extLst>
               <a:ext uri="{FF2B5EF4-FFF2-40B4-BE49-F238E27FC236}">
-                <a16:creationId xmlns:a16="http://schemas.microsoft.com/office/drawing/2014/main" id="{A4BF116D-48B8-84DD-C2E8-FE182151EE96}"/>
+                <a16:creationId xmlns:a16="http://schemas.microsoft.com/office/drawing/2014/main" id="{EFE44D36-87C8-2DA9-DCFB-A6830D244EEA}"/>
               </a:ext>
             </a:extLst>
           </p:cNvPr>
@@ -2357,7 +2357,7 @@
           <p:cNvPr id="5" name="日期占位符 4">
             <a:extLst>
               <a:ext uri="{FF2B5EF4-FFF2-40B4-BE49-F238E27FC236}">
-                <a16:creationId xmlns:a16="http://schemas.microsoft.com/office/drawing/2014/main" id="{BA248B40-080E-CA09-19A1-5BF2DE10EBBB}"/>
+                <a16:creationId xmlns:a16="http://schemas.microsoft.com/office/drawing/2014/main" id="{A2537E41-FA6E-E515-DE25-61AD5D5E744B}"/>
               </a:ext>
             </a:extLst>
           </p:cNvPr>
@@ -2373,7 +2373,7 @@
           <a:bodyPr/>
           <a:lstStyle/>
           <a:p>
-            <a:fld id="{2FD11F0D-42CC-456E-8824-4477FF2210A8}" type="datetimeFigureOut">
+            <a:fld id="{D0A9C69E-3220-4691-B5B2-986F1B3FC5E4}" type="datetimeFigureOut">
               <a:rPr lang="zh-CN" altLang="en-US" smtClean="0"/>
               <a:t>2024/3/10</a:t>
             </a:fld>
@@ -2386,7 +2386,7 @@
           <p:cNvPr id="6" name="页脚占位符 5">
             <a:extLst>
               <a:ext uri="{FF2B5EF4-FFF2-40B4-BE49-F238E27FC236}">
-                <a16:creationId xmlns:a16="http://schemas.microsoft.com/office/drawing/2014/main" id="{ED490946-5119-6658-22E1-54C785B478D9}"/>
+                <a16:creationId xmlns:a16="http://schemas.microsoft.com/office/drawing/2014/main" id="{A1A8D175-9A19-2CFD-E2A0-DC9ABED164BE}"/>
               </a:ext>
             </a:extLst>
           </p:cNvPr>
@@ -2411,7 +2411,7 @@
           <p:cNvPr id="7" name="灯片编号占位符 6">
             <a:extLst>
               <a:ext uri="{FF2B5EF4-FFF2-40B4-BE49-F238E27FC236}">
-                <a16:creationId xmlns:a16="http://schemas.microsoft.com/office/drawing/2014/main" id="{A9622A8F-E290-3AD8-8A3C-3C717E5E02C4}"/>
+                <a16:creationId xmlns:a16="http://schemas.microsoft.com/office/drawing/2014/main" id="{123A28A5-B3DD-AC71-FDFE-C9B4CEAB61A4}"/>
               </a:ext>
             </a:extLst>
           </p:cNvPr>
@@ -2427,7 +2427,7 @@
           <a:bodyPr/>
           <a:lstStyle/>
           <a:p>
-            <a:fld id="{119961CE-00AE-4FA7-B7B9-E04353A44B96}" type="slidenum">
+            <a:fld id="{BF5DBCF7-9B3D-4D23-B4D2-C19790ACD7A0}" type="slidenum">
               <a:rPr lang="zh-CN" altLang="en-US" smtClean="0"/>
               <a:t>‹#›</a:t>
             </a:fld>
@@ -2438,7 +2438,7 @@
     </p:spTree>
     <p:extLst>
       <p:ext uri="{BB962C8B-B14F-4D97-AF65-F5344CB8AC3E}">
-        <p14:creationId xmlns:p14="http://schemas.microsoft.com/office/powerpoint/2010/main" val="3992128269"/>
+        <p14:creationId xmlns:p14="http://schemas.microsoft.com/office/powerpoint/2010/main" val="1632197826"/>
       </p:ext>
     </p:extLst>
   </p:cSld>
@@ -2470,7 +2470,7 @@
           <p:cNvPr id="2" name="标题 1">
             <a:extLst>
               <a:ext uri="{FF2B5EF4-FFF2-40B4-BE49-F238E27FC236}">
-                <a16:creationId xmlns:a16="http://schemas.microsoft.com/office/drawing/2014/main" id="{045ABC17-D8E7-477B-6603-4877471D0104}"/>
+                <a16:creationId xmlns:a16="http://schemas.microsoft.com/office/drawing/2014/main" id="{789021C2-3F76-A7E2-791F-9FAF64DAAAC6}"/>
               </a:ext>
             </a:extLst>
           </p:cNvPr>
@@ -2507,7 +2507,7 @@
           <p:cNvPr id="3" name="图片占位符 2">
             <a:extLst>
               <a:ext uri="{FF2B5EF4-FFF2-40B4-BE49-F238E27FC236}">
-                <a16:creationId xmlns:a16="http://schemas.microsoft.com/office/drawing/2014/main" id="{14859632-2A8C-EA63-26BD-EA245C9DE2A3}"/>
+                <a16:creationId xmlns:a16="http://schemas.microsoft.com/office/drawing/2014/main" id="{A02E1726-A18A-D55D-1618-D7618D7F01F3}"/>
               </a:ext>
             </a:extLst>
           </p:cNvPr>
@@ -2574,7 +2574,7 @@
           <p:cNvPr id="4" name="文本占位符 3">
             <a:extLst>
               <a:ext uri="{FF2B5EF4-FFF2-40B4-BE49-F238E27FC236}">
-                <a16:creationId xmlns:a16="http://schemas.microsoft.com/office/drawing/2014/main" id="{F73487E4-AF85-AC19-D126-C5797FCF8F16}"/>
+                <a16:creationId xmlns:a16="http://schemas.microsoft.com/office/drawing/2014/main" id="{B52480E2-945E-7A79-DA20-41C0C4343B78}"/>
               </a:ext>
             </a:extLst>
           </p:cNvPr>
@@ -2645,7 +2645,7 @@
           <p:cNvPr id="5" name="日期占位符 4">
             <a:extLst>
               <a:ext uri="{FF2B5EF4-FFF2-40B4-BE49-F238E27FC236}">
-                <a16:creationId xmlns:a16="http://schemas.microsoft.com/office/drawing/2014/main" id="{5BC32922-FB1D-EA5F-CA40-1FD12505BC94}"/>
+                <a16:creationId xmlns:a16="http://schemas.microsoft.com/office/drawing/2014/main" id="{E7235905-1809-B748-3712-78957C597BEA}"/>
               </a:ext>
             </a:extLst>
           </p:cNvPr>
@@ -2661,7 +2661,7 @@
           <a:bodyPr/>
           <a:lstStyle/>
           <a:p>
-            <a:fld id="{2FD11F0D-42CC-456E-8824-4477FF2210A8}" type="datetimeFigureOut">
+            <a:fld id="{D0A9C69E-3220-4691-B5B2-986F1B3FC5E4}" type="datetimeFigureOut">
               <a:rPr lang="zh-CN" altLang="en-US" smtClean="0"/>
               <a:t>2024/3/10</a:t>
             </a:fld>
@@ -2674,7 +2674,7 @@
           <p:cNvPr id="6" name="页脚占位符 5">
             <a:extLst>
               <a:ext uri="{FF2B5EF4-FFF2-40B4-BE49-F238E27FC236}">
-                <a16:creationId xmlns:a16="http://schemas.microsoft.com/office/drawing/2014/main" id="{364A4FFA-16B1-9C93-7C87-1FF59B10884A}"/>
+                <a16:creationId xmlns:a16="http://schemas.microsoft.com/office/drawing/2014/main" id="{A15988AF-C96F-7606-ED22-23380DAB2EB0}"/>
               </a:ext>
             </a:extLst>
           </p:cNvPr>
@@ -2699,7 +2699,7 @@
           <p:cNvPr id="7" name="灯片编号占位符 6">
             <a:extLst>
               <a:ext uri="{FF2B5EF4-FFF2-40B4-BE49-F238E27FC236}">
-                <a16:creationId xmlns:a16="http://schemas.microsoft.com/office/drawing/2014/main" id="{5160C3AE-89FC-8DF8-93D9-4F56BCBE4BDB}"/>
+                <a16:creationId xmlns:a16="http://schemas.microsoft.com/office/drawing/2014/main" id="{C67DE60D-EE82-A1A9-38C8-926A7528B6D8}"/>
               </a:ext>
             </a:extLst>
           </p:cNvPr>
@@ -2715,7 +2715,7 @@
           <a:bodyPr/>
           <a:lstStyle/>
           <a:p>
-            <a:fld id="{119961CE-00AE-4FA7-B7B9-E04353A44B96}" type="slidenum">
+            <a:fld id="{BF5DBCF7-9B3D-4D23-B4D2-C19790ACD7A0}" type="slidenum">
               <a:rPr lang="zh-CN" altLang="en-US" smtClean="0"/>
               <a:t>‹#›</a:t>
             </a:fld>
@@ -2726,7 +2726,7 @@
     </p:spTree>
     <p:extLst>
       <p:ext uri="{BB962C8B-B14F-4D97-AF65-F5344CB8AC3E}">
-        <p14:creationId xmlns:p14="http://schemas.microsoft.com/office/powerpoint/2010/main" val="332767592"/>
+        <p14:creationId xmlns:p14="http://schemas.microsoft.com/office/powerpoint/2010/main" val="1643503623"/>
       </p:ext>
     </p:extLst>
   </p:cSld>
@@ -2763,7 +2763,7 @@
           <p:cNvPr id="2" name="标题占位符 1">
             <a:extLst>
               <a:ext uri="{FF2B5EF4-FFF2-40B4-BE49-F238E27FC236}">
-                <a16:creationId xmlns:a16="http://schemas.microsoft.com/office/drawing/2014/main" id="{A55125AB-6552-A6DC-7C79-5A863EE8C01F}"/>
+                <a16:creationId xmlns:a16="http://schemas.microsoft.com/office/drawing/2014/main" id="{26B4158E-0608-31BD-A7C0-2ACCD60C347B}"/>
               </a:ext>
             </a:extLst>
           </p:cNvPr>
@@ -2801,7 +2801,7 @@
           <p:cNvPr id="3" name="文本占位符 2">
             <a:extLst>
               <a:ext uri="{FF2B5EF4-FFF2-40B4-BE49-F238E27FC236}">
-                <a16:creationId xmlns:a16="http://schemas.microsoft.com/office/drawing/2014/main" id="{AD3C26DD-BE62-6D0A-E777-3394A1AB09B6}"/>
+                <a16:creationId xmlns:a16="http://schemas.microsoft.com/office/drawing/2014/main" id="{27D7D68E-0DF4-A790-8884-8E096C3C4B56}"/>
               </a:ext>
             </a:extLst>
           </p:cNvPr>
@@ -2868,7 +2868,7 @@
           <p:cNvPr id="4" name="日期占位符 3">
             <a:extLst>
               <a:ext uri="{FF2B5EF4-FFF2-40B4-BE49-F238E27FC236}">
-                <a16:creationId xmlns:a16="http://schemas.microsoft.com/office/drawing/2014/main" id="{33646BF5-FFAD-6C51-9783-801E8006466D}"/>
+                <a16:creationId xmlns:a16="http://schemas.microsoft.com/office/drawing/2014/main" id="{67E490EA-1C1E-9ACE-1E91-517C9CFFF07D}"/>
               </a:ext>
             </a:extLst>
           </p:cNvPr>
@@ -2902,7 +2902,7 @@
             </a:lvl1pPr>
           </a:lstStyle>
           <a:p>
-            <a:fld id="{2FD11F0D-42CC-456E-8824-4477FF2210A8}" type="datetimeFigureOut">
+            <a:fld id="{D0A9C69E-3220-4691-B5B2-986F1B3FC5E4}" type="datetimeFigureOut">
               <a:rPr lang="zh-CN" altLang="en-US" smtClean="0"/>
               <a:t>2024/3/10</a:t>
             </a:fld>
@@ -2915,7 +2915,7 @@
           <p:cNvPr id="5" name="页脚占位符 4">
             <a:extLst>
               <a:ext uri="{FF2B5EF4-FFF2-40B4-BE49-F238E27FC236}">
-                <a16:creationId xmlns:a16="http://schemas.microsoft.com/office/drawing/2014/main" id="{2C30A301-69E5-42CB-EF4F-F12CC11FBC5C}"/>
+                <a16:creationId xmlns:a16="http://schemas.microsoft.com/office/drawing/2014/main" id="{1AAC5DE7-1597-BFB2-FD98-E32AD14E2345}"/>
               </a:ext>
             </a:extLst>
           </p:cNvPr>
@@ -2958,7 +2958,7 @@
           <p:cNvPr id="6" name="灯片编号占位符 5">
             <a:extLst>
               <a:ext uri="{FF2B5EF4-FFF2-40B4-BE49-F238E27FC236}">
-                <a16:creationId xmlns:a16="http://schemas.microsoft.com/office/drawing/2014/main" id="{CD984852-7FA9-984D-5741-A5F9D7CADD9D}"/>
+                <a16:creationId xmlns:a16="http://schemas.microsoft.com/office/drawing/2014/main" id="{05BC44B4-6ADD-27A2-A550-774477A76B8B}"/>
               </a:ext>
             </a:extLst>
           </p:cNvPr>
@@ -2992,7 +2992,7 @@
             </a:lvl1pPr>
           </a:lstStyle>
           <a:p>
-            <a:fld id="{119961CE-00AE-4FA7-B7B9-E04353A44B96}" type="slidenum">
+            <a:fld id="{BF5DBCF7-9B3D-4D23-B4D2-C19790ACD7A0}" type="slidenum">
               <a:rPr lang="zh-CN" altLang="en-US" smtClean="0"/>
               <a:t>‹#›</a:t>
             </a:fld>
@@ -3003,7 +3003,7 @@
     </p:spTree>
     <p:extLst>
       <p:ext uri="{BB962C8B-B14F-4D97-AF65-F5344CB8AC3E}">
-        <p14:creationId xmlns:p14="http://schemas.microsoft.com/office/powerpoint/2010/main" val="2010396911"/>
+        <p14:creationId xmlns:p14="http://schemas.microsoft.com/office/powerpoint/2010/main" val="1970228336"/>
       </p:ext>
     </p:extLst>
   </p:cSld>
